--- a/Thread class&Runnable.pptx
+++ b/Thread class&Runnable.pptx
@@ -4,6 +4,9 @@
   <p:sldMasterIdLst>
     <p:sldMasterId id="2147483648" r:id="rId1"/>
   </p:sldMasterIdLst>
+  <p:notesMasterIdLst>
+    <p:notesMasterId r:id="rId9"/>
+  </p:notesMasterIdLst>
   <p:sldIdLst>
     <p:sldId id="256" r:id="rId2"/>
     <p:sldId id="257" r:id="rId3"/>
@@ -11,8 +14,7 @@
     <p:sldId id="259" r:id="rId5"/>
     <p:sldId id="260" r:id="rId6"/>
     <p:sldId id="261" r:id="rId7"/>
-    <p:sldId id="262" r:id="rId8"/>
-    <p:sldId id="263" r:id="rId9"/>
+    <p:sldId id="263" r:id="rId8"/>
   </p:sldIdLst>
   <p:sldSz cx="12192000" cy="6858000"/>
   <p:notesSz cx="6858000" cy="9144000"/>
@@ -111,7 +113,641 @@
       </a:defRPr>
     </a:lvl9pPr>
   </p:defaultTextStyle>
+  <p:extLst>
+    <p:ext uri="{EFAFB233-063F-42B5-8137-9DF3F51BA10A}">
+      <p15:sldGuideLst xmlns:p15="http://schemas.microsoft.com/office/powerpoint/2012/main"/>
+    </p:ext>
+  </p:extLst>
 </p:presentation>
+</file>
+
+<file path=ppt/notesMasters/notesMaster1.xml><?xml version="1.0" encoding="utf-8"?>
+<p:notesMaster xmlns:a="http://schemas.openxmlformats.org/drawingml/2006/main" xmlns:r="http://schemas.openxmlformats.org/officeDocument/2006/relationships" xmlns:p="http://schemas.openxmlformats.org/presentationml/2006/main">
+  <p:cSld>
+    <p:bg>
+      <p:bgRef idx="1001">
+        <a:schemeClr val="bg1"/>
+      </p:bgRef>
+    </p:bg>
+    <p:spTree>
+      <p:nvGrpSpPr>
+        <p:cNvPr id="1" name=""/>
+        <p:cNvGrpSpPr/>
+        <p:nvPr/>
+      </p:nvGrpSpPr>
+      <p:grpSpPr>
+        <a:xfrm>
+          <a:off x="0" y="0"/>
+          <a:ext cx="0" cy="0"/>
+          <a:chOff x="0" y="0"/>
+          <a:chExt cx="0" cy="0"/>
+        </a:xfrm>
+      </p:grpSpPr>
+      <p:sp>
+        <p:nvSpPr>
+          <p:cNvPr id="2" name="Pladsholder til sidehoved 1"/>
+          <p:cNvSpPr>
+            <a:spLocks noGrp="1"/>
+          </p:cNvSpPr>
+          <p:nvPr>
+            <p:ph type="hdr" sz="quarter"/>
+          </p:nvPr>
+        </p:nvSpPr>
+        <p:spPr>
+          <a:xfrm>
+            <a:off x="0" y="0"/>
+            <a:ext cx="2971800" cy="458788"/>
+          </a:xfrm>
+          <a:prstGeom prst="rect">
+            <a:avLst/>
+          </a:prstGeom>
+        </p:spPr>
+        <p:txBody>
+          <a:bodyPr vert="horz" lIns="91440" tIns="45720" rIns="91440" bIns="45720" rtlCol="0"/>
+          <a:lstStyle>
+            <a:lvl1pPr algn="l">
+              <a:defRPr sz="1200"/>
+            </a:lvl1pPr>
+          </a:lstStyle>
+          <a:p>
+            <a:endParaRPr lang="en-GB"/>
+          </a:p>
+        </p:txBody>
+      </p:sp>
+      <p:sp>
+        <p:nvSpPr>
+          <p:cNvPr id="3" name="Pladsholder til dato 2"/>
+          <p:cNvSpPr>
+            <a:spLocks noGrp="1"/>
+          </p:cNvSpPr>
+          <p:nvPr>
+            <p:ph type="dt" idx="1"/>
+          </p:nvPr>
+        </p:nvSpPr>
+        <p:spPr>
+          <a:xfrm>
+            <a:off x="3884613" y="0"/>
+            <a:ext cx="2971800" cy="458788"/>
+          </a:xfrm>
+          <a:prstGeom prst="rect">
+            <a:avLst/>
+          </a:prstGeom>
+        </p:spPr>
+        <p:txBody>
+          <a:bodyPr vert="horz" lIns="91440" tIns="45720" rIns="91440" bIns="45720" rtlCol="0"/>
+          <a:lstStyle>
+            <a:lvl1pPr algn="r">
+              <a:defRPr sz="1200"/>
+            </a:lvl1pPr>
+          </a:lstStyle>
+          <a:p>
+            <a:fld id="{02A83C5A-C158-4D12-B2A6-B7D9B1A00779}" type="datetimeFigureOut">
+              <a:rPr lang="en-GB" smtClean="0"/>
+              <a:t>08/01/2019</a:t>
+            </a:fld>
+            <a:endParaRPr lang="en-GB"/>
+          </a:p>
+        </p:txBody>
+      </p:sp>
+      <p:sp>
+        <p:nvSpPr>
+          <p:cNvPr id="4" name="Pladsholder til slidebillede 3"/>
+          <p:cNvSpPr>
+            <a:spLocks noGrp="1" noRot="1" noChangeAspect="1"/>
+          </p:cNvSpPr>
+          <p:nvPr>
+            <p:ph type="sldImg" idx="2"/>
+          </p:nvPr>
+        </p:nvSpPr>
+        <p:spPr>
+          <a:xfrm>
+            <a:off x="685800" y="1143000"/>
+            <a:ext cx="5486400" cy="3086100"/>
+          </a:xfrm>
+          <a:prstGeom prst="rect">
+            <a:avLst/>
+          </a:prstGeom>
+          <a:noFill/>
+          <a:ln w="12700">
+            <a:solidFill>
+              <a:prstClr val="black"/>
+            </a:solidFill>
+          </a:ln>
+        </p:spPr>
+        <p:txBody>
+          <a:bodyPr vert="horz" lIns="91440" tIns="45720" rIns="91440" bIns="45720" rtlCol="0" anchor="ctr"/>
+          <a:lstStyle/>
+          <a:p>
+            <a:endParaRPr lang="en-GB"/>
+          </a:p>
+        </p:txBody>
+      </p:sp>
+      <p:sp>
+        <p:nvSpPr>
+          <p:cNvPr id="5" name="Pladsholder til noter 4"/>
+          <p:cNvSpPr>
+            <a:spLocks noGrp="1"/>
+          </p:cNvSpPr>
+          <p:nvPr>
+            <p:ph type="body" sz="quarter" idx="3"/>
+          </p:nvPr>
+        </p:nvSpPr>
+        <p:spPr>
+          <a:xfrm>
+            <a:off x="685800" y="4400550"/>
+            <a:ext cx="5486400" cy="3600450"/>
+          </a:xfrm>
+          <a:prstGeom prst="rect">
+            <a:avLst/>
+          </a:prstGeom>
+        </p:spPr>
+        <p:txBody>
+          <a:bodyPr vert="horz" lIns="91440" tIns="45720" rIns="91440" bIns="45720" rtlCol="0"/>
+          <a:lstStyle/>
+          <a:p>
+            <a:pPr lvl="0"/>
+            <a:r>
+              <a:rPr lang="da-DK"/>
+              <a:t>Rediger teksttypografien i masteren</a:t>
+            </a:r>
+          </a:p>
+          <a:p>
+            <a:pPr lvl="1"/>
+            <a:r>
+              <a:rPr lang="da-DK"/>
+              <a:t>Andet niveau</a:t>
+            </a:r>
+          </a:p>
+          <a:p>
+            <a:pPr lvl="2"/>
+            <a:r>
+              <a:rPr lang="da-DK"/>
+              <a:t>Tredje niveau</a:t>
+            </a:r>
+          </a:p>
+          <a:p>
+            <a:pPr lvl="3"/>
+            <a:r>
+              <a:rPr lang="da-DK"/>
+              <a:t>Fjerde niveau</a:t>
+            </a:r>
+          </a:p>
+          <a:p>
+            <a:pPr lvl="4"/>
+            <a:r>
+              <a:rPr lang="da-DK"/>
+              <a:t>Femte niveau</a:t>
+            </a:r>
+            <a:endParaRPr lang="en-GB"/>
+          </a:p>
+        </p:txBody>
+      </p:sp>
+      <p:sp>
+        <p:nvSpPr>
+          <p:cNvPr id="6" name="Pladsholder til sidefod 5"/>
+          <p:cNvSpPr>
+            <a:spLocks noGrp="1"/>
+          </p:cNvSpPr>
+          <p:nvPr>
+            <p:ph type="ftr" sz="quarter" idx="4"/>
+          </p:nvPr>
+        </p:nvSpPr>
+        <p:spPr>
+          <a:xfrm>
+            <a:off x="0" y="8685213"/>
+            <a:ext cx="2971800" cy="458787"/>
+          </a:xfrm>
+          <a:prstGeom prst="rect">
+            <a:avLst/>
+          </a:prstGeom>
+        </p:spPr>
+        <p:txBody>
+          <a:bodyPr vert="horz" lIns="91440" tIns="45720" rIns="91440" bIns="45720" rtlCol="0" anchor="b"/>
+          <a:lstStyle>
+            <a:lvl1pPr algn="l">
+              <a:defRPr sz="1200"/>
+            </a:lvl1pPr>
+          </a:lstStyle>
+          <a:p>
+            <a:endParaRPr lang="en-GB"/>
+          </a:p>
+        </p:txBody>
+      </p:sp>
+      <p:sp>
+        <p:nvSpPr>
+          <p:cNvPr id="7" name="Pladsholder til slidenummer 6"/>
+          <p:cNvSpPr>
+            <a:spLocks noGrp="1"/>
+          </p:cNvSpPr>
+          <p:nvPr>
+            <p:ph type="sldNum" sz="quarter" idx="5"/>
+          </p:nvPr>
+        </p:nvSpPr>
+        <p:spPr>
+          <a:xfrm>
+            <a:off x="3884613" y="8685213"/>
+            <a:ext cx="2971800" cy="458787"/>
+          </a:xfrm>
+          <a:prstGeom prst="rect">
+            <a:avLst/>
+          </a:prstGeom>
+        </p:spPr>
+        <p:txBody>
+          <a:bodyPr vert="horz" lIns="91440" tIns="45720" rIns="91440" bIns="45720" rtlCol="0" anchor="b"/>
+          <a:lstStyle>
+            <a:lvl1pPr algn="r">
+              <a:defRPr sz="1200"/>
+            </a:lvl1pPr>
+          </a:lstStyle>
+          <a:p>
+            <a:fld id="{B1F5C85C-3B6E-4A7A-9AA1-B373AD25CFB4}" type="slidenum">
+              <a:rPr lang="en-GB" smtClean="0"/>
+              <a:t>‹nr.›</a:t>
+            </a:fld>
+            <a:endParaRPr lang="en-GB"/>
+          </a:p>
+        </p:txBody>
+      </p:sp>
+    </p:spTree>
+    <p:extLst>
+      <p:ext uri="{BB962C8B-B14F-4D97-AF65-F5344CB8AC3E}">
+        <p14:creationId xmlns:p14="http://schemas.microsoft.com/office/powerpoint/2010/main" val="4009730336"/>
+      </p:ext>
+    </p:extLst>
+  </p:cSld>
+  <p:clrMap bg1="lt1" tx1="dk1" bg2="lt2" tx2="dk2" accent1="accent1" accent2="accent2" accent3="accent3" accent4="accent4" accent5="accent5" accent6="accent6" hlink="hlink" folHlink="folHlink"/>
+  <p:notesStyle>
+    <a:lvl1pPr marL="0" algn="l" defTabSz="914400" rtl="0" eaLnBrk="1" latinLnBrk="0" hangingPunct="1">
+      <a:defRPr sz="1200" kern="1200">
+        <a:solidFill>
+          <a:schemeClr val="tx1"/>
+        </a:solidFill>
+        <a:latin typeface="+mn-lt"/>
+        <a:ea typeface="+mn-ea"/>
+        <a:cs typeface="+mn-cs"/>
+      </a:defRPr>
+    </a:lvl1pPr>
+    <a:lvl2pPr marL="457200" algn="l" defTabSz="914400" rtl="0" eaLnBrk="1" latinLnBrk="0" hangingPunct="1">
+      <a:defRPr sz="1200" kern="1200">
+        <a:solidFill>
+          <a:schemeClr val="tx1"/>
+        </a:solidFill>
+        <a:latin typeface="+mn-lt"/>
+        <a:ea typeface="+mn-ea"/>
+        <a:cs typeface="+mn-cs"/>
+      </a:defRPr>
+    </a:lvl2pPr>
+    <a:lvl3pPr marL="914400" algn="l" defTabSz="914400" rtl="0" eaLnBrk="1" latinLnBrk="0" hangingPunct="1">
+      <a:defRPr sz="1200" kern="1200">
+        <a:solidFill>
+          <a:schemeClr val="tx1"/>
+        </a:solidFill>
+        <a:latin typeface="+mn-lt"/>
+        <a:ea typeface="+mn-ea"/>
+        <a:cs typeface="+mn-cs"/>
+      </a:defRPr>
+    </a:lvl3pPr>
+    <a:lvl4pPr marL="1371600" algn="l" defTabSz="914400" rtl="0" eaLnBrk="1" latinLnBrk="0" hangingPunct="1">
+      <a:defRPr sz="1200" kern="1200">
+        <a:solidFill>
+          <a:schemeClr val="tx1"/>
+        </a:solidFill>
+        <a:latin typeface="+mn-lt"/>
+        <a:ea typeface="+mn-ea"/>
+        <a:cs typeface="+mn-cs"/>
+      </a:defRPr>
+    </a:lvl4pPr>
+    <a:lvl5pPr marL="1828800" algn="l" defTabSz="914400" rtl="0" eaLnBrk="1" latinLnBrk="0" hangingPunct="1">
+      <a:defRPr sz="1200" kern="1200">
+        <a:solidFill>
+          <a:schemeClr val="tx1"/>
+        </a:solidFill>
+        <a:latin typeface="+mn-lt"/>
+        <a:ea typeface="+mn-ea"/>
+        <a:cs typeface="+mn-cs"/>
+      </a:defRPr>
+    </a:lvl5pPr>
+    <a:lvl6pPr marL="2286000" algn="l" defTabSz="914400" rtl="0" eaLnBrk="1" latinLnBrk="0" hangingPunct="1">
+      <a:defRPr sz="1200" kern="1200">
+        <a:solidFill>
+          <a:schemeClr val="tx1"/>
+        </a:solidFill>
+        <a:latin typeface="+mn-lt"/>
+        <a:ea typeface="+mn-ea"/>
+        <a:cs typeface="+mn-cs"/>
+      </a:defRPr>
+    </a:lvl6pPr>
+    <a:lvl7pPr marL="2743200" algn="l" defTabSz="914400" rtl="0" eaLnBrk="1" latinLnBrk="0" hangingPunct="1">
+      <a:defRPr sz="1200" kern="1200">
+        <a:solidFill>
+          <a:schemeClr val="tx1"/>
+        </a:solidFill>
+        <a:latin typeface="+mn-lt"/>
+        <a:ea typeface="+mn-ea"/>
+        <a:cs typeface="+mn-cs"/>
+      </a:defRPr>
+    </a:lvl7pPr>
+    <a:lvl8pPr marL="3200400" algn="l" defTabSz="914400" rtl="0" eaLnBrk="1" latinLnBrk="0" hangingPunct="1">
+      <a:defRPr sz="1200" kern="1200">
+        <a:solidFill>
+          <a:schemeClr val="tx1"/>
+        </a:solidFill>
+        <a:latin typeface="+mn-lt"/>
+        <a:ea typeface="+mn-ea"/>
+        <a:cs typeface="+mn-cs"/>
+      </a:defRPr>
+    </a:lvl8pPr>
+    <a:lvl9pPr marL="3657600" algn="l" defTabSz="914400" rtl="0" eaLnBrk="1" latinLnBrk="0" hangingPunct="1">
+      <a:defRPr sz="1200" kern="1200">
+        <a:solidFill>
+          <a:schemeClr val="tx1"/>
+        </a:solidFill>
+        <a:latin typeface="+mn-lt"/>
+        <a:ea typeface="+mn-ea"/>
+        <a:cs typeface="+mn-cs"/>
+      </a:defRPr>
+    </a:lvl9pPr>
+  </p:notesStyle>
+</p:notesMaster>
+</file>
+
+<file path=ppt/notesSlides/notesSlide1.xml><?xml version="1.0" encoding="utf-8"?>
+<p:notes xmlns:a="http://schemas.openxmlformats.org/drawingml/2006/main" xmlns:r="http://schemas.openxmlformats.org/officeDocument/2006/relationships" xmlns:p="http://schemas.openxmlformats.org/presentationml/2006/main">
+  <p:cSld>
+    <p:spTree>
+      <p:nvGrpSpPr>
+        <p:cNvPr id="1" name=""/>
+        <p:cNvGrpSpPr/>
+        <p:nvPr/>
+      </p:nvGrpSpPr>
+      <p:grpSpPr>
+        <a:xfrm>
+          <a:off x="0" y="0"/>
+          <a:ext cx="0" cy="0"/>
+          <a:chOff x="0" y="0"/>
+          <a:chExt cx="0" cy="0"/>
+        </a:xfrm>
+      </p:grpSpPr>
+      <p:sp>
+        <p:nvSpPr>
+          <p:cNvPr id="2" name="Pladsholder til slidebillede 1"/>
+          <p:cNvSpPr>
+            <a:spLocks noGrp="1" noRot="1" noChangeAspect="1"/>
+          </p:cNvSpPr>
+          <p:nvPr>
+            <p:ph type="sldImg"/>
+          </p:nvPr>
+        </p:nvSpPr>
+        <p:spPr/>
+      </p:sp>
+      <p:sp>
+        <p:nvSpPr>
+          <p:cNvPr id="3" name="Pladsholder til noter 2"/>
+          <p:cNvSpPr>
+            <a:spLocks noGrp="1"/>
+          </p:cNvSpPr>
+          <p:nvPr>
+            <p:ph type="body" idx="1"/>
+          </p:nvPr>
+        </p:nvSpPr>
+        <p:spPr/>
+        <p:txBody>
+          <a:bodyPr/>
+          <a:lstStyle/>
+          <a:p>
+            <a:pPr marL="228600" indent="-228600">
+              <a:buAutoNum type="arabicPeriod"/>
+            </a:pPr>
+            <a:r>
+              <a:rPr lang="da-DK" dirty="0"/>
+              <a:t>Hvad er </a:t>
+            </a:r>
+            <a:r>
+              <a:rPr lang="da-DK" dirty="0" err="1"/>
+              <a:t>threads</a:t>
+            </a:r>
+            <a:r>
+              <a:rPr lang="da-DK" dirty="0"/>
+              <a:t>?</a:t>
+            </a:r>
+          </a:p>
+          <a:p>
+            <a:pPr marL="228600" indent="-228600">
+              <a:buAutoNum type="arabicPeriod"/>
+            </a:pPr>
+            <a:r>
+              <a:rPr lang="da-DK" dirty="0"/>
+              <a:t>Alle </a:t>
+            </a:r>
+            <a:r>
+              <a:rPr lang="da-DK" dirty="0" err="1"/>
+              <a:t>java</a:t>
+            </a:r>
+            <a:r>
+              <a:rPr lang="da-DK" dirty="0"/>
+              <a:t> programmer har minimum 1 </a:t>
+            </a:r>
+            <a:r>
+              <a:rPr lang="da-DK" dirty="0" err="1"/>
+              <a:t>thread</a:t>
+            </a:r>
+            <a:r>
+              <a:rPr lang="da-DK" dirty="0"/>
+              <a:t> = PSVM</a:t>
+            </a:r>
+          </a:p>
+          <a:p>
+            <a:pPr marL="228600" indent="-228600">
+              <a:buAutoNum type="arabicPeriod"/>
+            </a:pPr>
+            <a:r>
+              <a:rPr lang="da-DK" dirty="0"/>
+              <a:t>Flere Threads kan køre simultant = </a:t>
+            </a:r>
+            <a:r>
+              <a:rPr lang="da-DK" dirty="0" err="1"/>
+              <a:t>Multithreading</a:t>
+            </a:r>
+            <a:endParaRPr lang="da-DK" dirty="0"/>
+          </a:p>
+          <a:p>
+            <a:pPr marL="228600" indent="-228600">
+              <a:buAutoNum type="arabicPeriod"/>
+            </a:pPr>
+            <a:r>
+              <a:rPr lang="da-DK" dirty="0"/>
+              <a:t>Man kan gennemføre flere opgaver uafhængigt af hinanden = Asynkrone opgaver</a:t>
+            </a:r>
+            <a:endParaRPr lang="en-GB" dirty="0"/>
+          </a:p>
+        </p:txBody>
+      </p:sp>
+      <p:sp>
+        <p:nvSpPr>
+          <p:cNvPr id="4" name="Pladsholder til slidenummer 3"/>
+          <p:cNvSpPr>
+            <a:spLocks noGrp="1"/>
+          </p:cNvSpPr>
+          <p:nvPr>
+            <p:ph type="sldNum" sz="quarter" idx="5"/>
+          </p:nvPr>
+        </p:nvSpPr>
+        <p:spPr/>
+        <p:txBody>
+          <a:bodyPr/>
+          <a:lstStyle/>
+          <a:p>
+            <a:fld id="{B1F5C85C-3B6E-4A7A-9AA1-B373AD25CFB4}" type="slidenum">
+              <a:rPr lang="en-GB" smtClean="0"/>
+              <a:t>2</a:t>
+            </a:fld>
+            <a:endParaRPr lang="en-GB"/>
+          </a:p>
+        </p:txBody>
+      </p:sp>
+    </p:spTree>
+    <p:extLst>
+      <p:ext uri="{BB962C8B-B14F-4D97-AF65-F5344CB8AC3E}">
+        <p14:creationId xmlns:p14="http://schemas.microsoft.com/office/powerpoint/2010/main" val="3341203439"/>
+      </p:ext>
+    </p:extLst>
+  </p:cSld>
+  <p:clrMapOvr>
+    <a:masterClrMapping/>
+  </p:clrMapOvr>
+</p:notes>
+</file>
+
+<file path=ppt/notesSlides/notesSlide2.xml><?xml version="1.0" encoding="utf-8"?>
+<p:notes xmlns:a="http://schemas.openxmlformats.org/drawingml/2006/main" xmlns:r="http://schemas.openxmlformats.org/officeDocument/2006/relationships" xmlns:p="http://schemas.openxmlformats.org/presentationml/2006/main">
+  <p:cSld>
+    <p:spTree>
+      <p:nvGrpSpPr>
+        <p:cNvPr id="1" name=""/>
+        <p:cNvGrpSpPr/>
+        <p:nvPr/>
+      </p:nvGrpSpPr>
+      <p:grpSpPr>
+        <a:xfrm>
+          <a:off x="0" y="0"/>
+          <a:ext cx="0" cy="0"/>
+          <a:chOff x="0" y="0"/>
+          <a:chExt cx="0" cy="0"/>
+        </a:xfrm>
+      </p:grpSpPr>
+      <p:sp>
+        <p:nvSpPr>
+          <p:cNvPr id="2" name="Pladsholder til slidebillede 1"/>
+          <p:cNvSpPr>
+            <a:spLocks noGrp="1" noRot="1" noChangeAspect="1"/>
+          </p:cNvSpPr>
+          <p:nvPr>
+            <p:ph type="sldImg"/>
+          </p:nvPr>
+        </p:nvSpPr>
+        <p:spPr/>
+      </p:sp>
+      <p:sp>
+        <p:nvSpPr>
+          <p:cNvPr id="3" name="Pladsholder til noter 2"/>
+          <p:cNvSpPr>
+            <a:spLocks noGrp="1"/>
+          </p:cNvSpPr>
+          <p:nvPr>
+            <p:ph type="body" idx="1"/>
+          </p:nvPr>
+        </p:nvSpPr>
+        <p:spPr/>
+        <p:txBody>
+          <a:bodyPr/>
+          <a:lstStyle/>
+          <a:p>
+            <a:pPr marL="228600" indent="-228600">
+              <a:buAutoNum type="arabicPeriod"/>
+            </a:pPr>
+            <a:r>
+              <a:rPr lang="da-DK" dirty="0"/>
+              <a:t>1</a:t>
+            </a:r>
+          </a:p>
+          <a:p>
+            <a:pPr marL="228600" indent="-228600">
+              <a:buAutoNum type="arabicPeriod"/>
+            </a:pPr>
+            <a:r>
+              <a:rPr lang="da-DK" dirty="0"/>
+              <a:t>2</a:t>
+            </a:r>
+          </a:p>
+          <a:p>
+            <a:pPr marL="228600" indent="-228600">
+              <a:buAutoNum type="arabicPeriod"/>
+            </a:pPr>
+            <a:r>
+              <a:rPr lang="da-DK" dirty="0"/>
+              <a:t>3</a:t>
+            </a:r>
+          </a:p>
+          <a:p>
+            <a:pPr marL="228600" indent="-228600">
+              <a:buAutoNum type="arabicPeriod"/>
+            </a:pPr>
+            <a:r>
+              <a:rPr lang="da-DK" dirty="0"/>
+              <a:t>4</a:t>
+            </a:r>
+          </a:p>
+          <a:p>
+            <a:pPr marL="228600" indent="-228600">
+              <a:buAutoNum type="arabicPeriod"/>
+            </a:pPr>
+            <a:r>
+              <a:rPr lang="da-DK" dirty="0"/>
+              <a:t>Når en Thread er færdig med at udføre koden så dør den.</a:t>
+            </a:r>
+          </a:p>
+          <a:p>
+            <a:pPr marL="228600" indent="-228600">
+              <a:buAutoNum type="arabicPeriod"/>
+            </a:pPr>
+            <a:endParaRPr lang="da-DK" dirty="0"/>
+          </a:p>
+        </p:txBody>
+      </p:sp>
+      <p:sp>
+        <p:nvSpPr>
+          <p:cNvPr id="4" name="Pladsholder til slidenummer 3"/>
+          <p:cNvSpPr>
+            <a:spLocks noGrp="1"/>
+          </p:cNvSpPr>
+          <p:nvPr>
+            <p:ph type="sldNum" sz="quarter" idx="5"/>
+          </p:nvPr>
+        </p:nvSpPr>
+        <p:spPr/>
+        <p:txBody>
+          <a:bodyPr/>
+          <a:lstStyle/>
+          <a:p>
+            <a:fld id="{B1F5C85C-3B6E-4A7A-9AA1-B373AD25CFB4}" type="slidenum">
+              <a:rPr lang="en-GB" smtClean="0"/>
+              <a:t>3</a:t>
+            </a:fld>
+            <a:endParaRPr lang="en-GB"/>
+          </a:p>
+        </p:txBody>
+      </p:sp>
+    </p:spTree>
+    <p:extLst>
+      <p:ext uri="{BB962C8B-B14F-4D97-AF65-F5344CB8AC3E}">
+        <p14:creationId xmlns:p14="http://schemas.microsoft.com/office/powerpoint/2010/main" val="175881132"/>
+      </p:ext>
+    </p:extLst>
+  </p:cSld>
+  <p:clrMapOvr>
+    <a:masterClrMapping/>
+  </p:clrMapOvr>
+</p:notes>
 </file>
 
 <file path=ppt/slideLayouts/slideLayout1.xml><?xml version="1.0" encoding="utf-8"?>
@@ -261,7 +897,7 @@
           <a:p>
             <a:fld id="{6B68856B-066E-6044-97F5-3FC1B6847322}" type="datetimeFigureOut">
               <a:rPr lang="da-DK" smtClean="0"/>
-              <a:t>05/01/2019</a:t>
+              <a:t>08-01-2019</a:t>
             </a:fld>
             <a:endParaRPr lang="da-DK"/>
           </a:p>
@@ -459,7 +1095,7 @@
           <a:p>
             <a:fld id="{6B68856B-066E-6044-97F5-3FC1B6847322}" type="datetimeFigureOut">
               <a:rPr lang="da-DK" smtClean="0"/>
-              <a:t>05/01/2019</a:t>
+              <a:t>08-01-2019</a:t>
             </a:fld>
             <a:endParaRPr lang="da-DK"/>
           </a:p>
@@ -667,7 +1303,7 @@
           <a:p>
             <a:fld id="{6B68856B-066E-6044-97F5-3FC1B6847322}" type="datetimeFigureOut">
               <a:rPr lang="da-DK" smtClean="0"/>
-              <a:t>05/01/2019</a:t>
+              <a:t>08-01-2019</a:t>
             </a:fld>
             <a:endParaRPr lang="da-DK"/>
           </a:p>
@@ -865,7 +1501,7 @@
           <a:p>
             <a:fld id="{6B68856B-066E-6044-97F5-3FC1B6847322}" type="datetimeFigureOut">
               <a:rPr lang="da-DK" smtClean="0"/>
-              <a:t>05/01/2019</a:t>
+              <a:t>08-01-2019</a:t>
             </a:fld>
             <a:endParaRPr lang="da-DK"/>
           </a:p>
@@ -1140,7 +1776,7 @@
           <a:p>
             <a:fld id="{6B68856B-066E-6044-97F5-3FC1B6847322}" type="datetimeFigureOut">
               <a:rPr lang="da-DK" smtClean="0"/>
-              <a:t>05/01/2019</a:t>
+              <a:t>08-01-2019</a:t>
             </a:fld>
             <a:endParaRPr lang="da-DK"/>
           </a:p>
@@ -1405,7 +2041,7 @@
           <a:p>
             <a:fld id="{6B68856B-066E-6044-97F5-3FC1B6847322}" type="datetimeFigureOut">
               <a:rPr lang="da-DK" smtClean="0"/>
-              <a:t>05/01/2019</a:t>
+              <a:t>08-01-2019</a:t>
             </a:fld>
             <a:endParaRPr lang="da-DK"/>
           </a:p>
@@ -1817,7 +2453,7 @@
           <a:p>
             <a:fld id="{6B68856B-066E-6044-97F5-3FC1B6847322}" type="datetimeFigureOut">
               <a:rPr lang="da-DK" smtClean="0"/>
-              <a:t>05/01/2019</a:t>
+              <a:t>08-01-2019</a:t>
             </a:fld>
             <a:endParaRPr lang="da-DK"/>
           </a:p>
@@ -1958,7 +2594,7 @@
           <a:p>
             <a:fld id="{6B68856B-066E-6044-97F5-3FC1B6847322}" type="datetimeFigureOut">
               <a:rPr lang="da-DK" smtClean="0"/>
-              <a:t>05/01/2019</a:t>
+              <a:t>08-01-2019</a:t>
             </a:fld>
             <a:endParaRPr lang="da-DK"/>
           </a:p>
@@ -2071,7 +2707,7 @@
           <a:p>
             <a:fld id="{6B68856B-066E-6044-97F5-3FC1B6847322}" type="datetimeFigureOut">
               <a:rPr lang="da-DK" smtClean="0"/>
-              <a:t>05/01/2019</a:t>
+              <a:t>08-01-2019</a:t>
             </a:fld>
             <a:endParaRPr lang="da-DK"/>
           </a:p>
@@ -2382,7 +3018,7 @@
           <a:p>
             <a:fld id="{6B68856B-066E-6044-97F5-3FC1B6847322}" type="datetimeFigureOut">
               <a:rPr lang="da-DK" smtClean="0"/>
-              <a:t>05/01/2019</a:t>
+              <a:t>08-01-2019</a:t>
             </a:fld>
             <a:endParaRPr lang="da-DK"/>
           </a:p>
@@ -2670,7 +3306,7 @@
           <a:p>
             <a:fld id="{6B68856B-066E-6044-97F5-3FC1B6847322}" type="datetimeFigureOut">
               <a:rPr lang="da-DK" smtClean="0"/>
-              <a:t>05/01/2019</a:t>
+              <a:t>08-01-2019</a:t>
             </a:fld>
             <a:endParaRPr lang="da-DK"/>
           </a:p>
@@ -2911,7 +3547,7 @@
           <a:p>
             <a:fld id="{6B68856B-066E-6044-97F5-3FC1B6847322}" type="datetimeFigureOut">
               <a:rPr lang="da-DK" smtClean="0"/>
-              <a:t>05/01/2019</a:t>
+              <a:t>08-01-2019</a:t>
             </a:fld>
             <a:endParaRPr lang="da-DK"/>
           </a:p>
@@ -3479,15 +4115,7 @@
           <a:p>
             <a:r>
               <a:rPr lang="da-DK" dirty="0"/>
-              <a:t>Java Programmer har minimum én </a:t>
-            </a:r>
-            <a:r>
-              <a:rPr lang="da-DK" dirty="0" err="1"/>
-              <a:t>thread</a:t>
-            </a:r>
-            <a:r>
-              <a:rPr lang="da-DK" dirty="0"/>
-              <a:t> (public </a:t>
+              <a:t>public </a:t>
             </a:r>
             <a:r>
               <a:rPr lang="da-DK" dirty="0" err="1"/>
@@ -3511,23 +4139,36 @@
             </a:r>
             <a:r>
               <a:rPr lang="da-DK" dirty="0"/>
-              <a:t>)</a:t>
-            </a:r>
-          </a:p>
-          <a:p>
+              <a:t>(</a:t>
+            </a:r>
             <a:r>
               <a:rPr lang="da-DK" dirty="0" err="1"/>
-              <a:t>Treads</a:t>
+              <a:t>String</a:t>
             </a:r>
             <a:r>
               <a:rPr lang="da-DK" dirty="0"/>
-              <a:t> kan køre simultant og derved multitaske i et program (udføre mere end én opgave af gangen)</a:t>
-            </a:r>
-          </a:p>
-          <a:p>
+              <a:t>[] </a:t>
+            </a:r>
+            <a:r>
+              <a:rPr lang="da-DK" dirty="0" err="1"/>
+              <a:t>args</a:t>
+            </a:r>
             <a:r>
               <a:rPr lang="da-DK" dirty="0"/>
-              <a:t>Bruges primært til asynkrone opgaver (opgaven bliver udført sideløbende med andre opgaver)</a:t>
+              <a:t>){}</a:t>
+            </a:r>
+          </a:p>
+          <a:p>
+            <a:r>
+              <a:rPr lang="da-DK" dirty="0" err="1"/>
+              <a:t>Multithreading</a:t>
+            </a:r>
+            <a:endParaRPr lang="da-DK" dirty="0"/>
+          </a:p>
+          <a:p>
+            <a:r>
+              <a:rPr lang="da-DK" dirty="0"/>
+              <a:t>Asynkrone opgaver</a:t>
             </a:r>
           </a:p>
         </p:txBody>
@@ -3728,7 +4369,7 @@
         </p:spPr>
         <p:txBody>
           <a:bodyPr>
-            <a:normAutofit lnSpcReduction="10000"/>
+            <a:normAutofit/>
           </a:bodyPr>
           <a:lstStyle/>
           <a:p>
@@ -3752,553 +4393,30 @@
               <a:rPr lang="en-US" sz="1600" dirty="0" err="1"/>
               <a:t>instantieres</a:t>
             </a:r>
+            <a:endParaRPr lang="en-US" sz="1600" dirty="0"/>
+          </a:p>
+          <a:p>
             <a:r>
               <a:rPr lang="en-US" sz="1600" dirty="0"/>
-              <a:t>, men </a:t>
-            </a:r>
-            <a:r>
-              <a:rPr lang="en-US" sz="1600" dirty="0" err="1"/>
-              <a:t>køres</a:t>
-            </a:r>
+              <a:t>Runnable state</a:t>
+            </a:r>
+          </a:p>
+          <a:p>
             <a:r>
               <a:rPr lang="en-US" sz="1600" dirty="0"/>
-              <a:t> </a:t>
-            </a:r>
-            <a:r>
-              <a:rPr lang="en-US" sz="1600" dirty="0" err="1"/>
-              <a:t>ikke</a:t>
-            </a:r>
+              <a:t>Run() -&gt; running state</a:t>
+            </a:r>
+          </a:p>
+          <a:p>
             <a:r>
               <a:rPr lang="en-US" sz="1600" dirty="0"/>
-              <a:t> </a:t>
-            </a:r>
-            <a:r>
-              <a:rPr lang="en-US" sz="1600" dirty="0" err="1"/>
-              <a:t>før</a:t>
-            </a:r>
+              <a:t>Wait()/sleep()</a:t>
+            </a:r>
+          </a:p>
+          <a:p>
             <a:r>
               <a:rPr lang="en-US" sz="1600" dirty="0"/>
-              <a:t>, at man </a:t>
-            </a:r>
-            <a:r>
-              <a:rPr lang="en-US" sz="1600" dirty="0" err="1"/>
-              <a:t>kalder</a:t>
-            </a:r>
-            <a:r>
-              <a:rPr lang="en-US" sz="1600" dirty="0"/>
-              <a:t> start().</a:t>
-            </a:r>
-          </a:p>
-          <a:p>
-            <a:r>
-              <a:rPr lang="en-US" sz="1600" dirty="0" err="1"/>
-              <a:t>Når</a:t>
-            </a:r>
-            <a:r>
-              <a:rPr lang="en-US" sz="1600" dirty="0"/>
-              <a:t> </a:t>
-            </a:r>
-            <a:r>
-              <a:rPr lang="en-US" sz="1600" dirty="0" err="1"/>
-              <a:t>threaden</a:t>
-            </a:r>
-            <a:r>
-              <a:rPr lang="en-US" sz="1600" dirty="0"/>
-              <a:t> </a:t>
-            </a:r>
-            <a:r>
-              <a:rPr lang="en-US" sz="1600" dirty="0" err="1"/>
-              <a:t>er</a:t>
-            </a:r>
-            <a:r>
-              <a:rPr lang="en-US" sz="1600" dirty="0"/>
-              <a:t> </a:t>
-            </a:r>
-            <a:r>
-              <a:rPr lang="en-US" sz="1600" dirty="0" err="1"/>
-              <a:t>startet</a:t>
-            </a:r>
-            <a:r>
-              <a:rPr lang="en-US" sz="1600" dirty="0"/>
-              <a:t>, </a:t>
-            </a:r>
-            <a:r>
-              <a:rPr lang="en-US" sz="1600" dirty="0" err="1"/>
-              <a:t>så</a:t>
-            </a:r>
-            <a:r>
-              <a:rPr lang="en-US" sz="1600" dirty="0"/>
-              <a:t> </a:t>
-            </a:r>
-            <a:r>
-              <a:rPr lang="en-US" sz="1600" dirty="0" err="1"/>
-              <a:t>er</a:t>
-            </a:r>
-            <a:r>
-              <a:rPr lang="en-US" sz="1600" dirty="0"/>
-              <a:t> den I </a:t>
-            </a:r>
-            <a:r>
-              <a:rPr lang="en-US" sz="1600" dirty="0" err="1"/>
-              <a:t>en</a:t>
-            </a:r>
-            <a:r>
-              <a:rPr lang="en-US" sz="1600" dirty="0"/>
-              <a:t> ‘runnable’ state, </a:t>
-            </a:r>
-            <a:r>
-              <a:rPr lang="en-US" sz="1600" dirty="0" err="1"/>
-              <a:t>som</a:t>
-            </a:r>
-            <a:r>
-              <a:rPr lang="en-US" sz="1600" dirty="0"/>
-              <a:t> </a:t>
-            </a:r>
-            <a:r>
-              <a:rPr lang="en-US" sz="1600" dirty="0" err="1"/>
-              <a:t>er</a:t>
-            </a:r>
-            <a:r>
-              <a:rPr lang="en-US" sz="1600" dirty="0"/>
-              <a:t> </a:t>
-            </a:r>
-            <a:r>
-              <a:rPr lang="en-US" sz="1600" dirty="0" err="1"/>
-              <a:t>klar</a:t>
-            </a:r>
-            <a:r>
-              <a:rPr lang="en-US" sz="1600" dirty="0"/>
-              <a:t> </a:t>
-            </a:r>
-            <a:r>
-              <a:rPr lang="en-US" sz="1600" dirty="0" err="1"/>
-              <a:t>til</a:t>
-            </a:r>
-            <a:r>
-              <a:rPr lang="en-US" sz="1600" dirty="0"/>
-              <a:t> at </a:t>
-            </a:r>
-            <a:r>
-              <a:rPr lang="en-US" sz="1600" dirty="0" err="1"/>
-              <a:t>blive</a:t>
-            </a:r>
-            <a:r>
-              <a:rPr lang="en-US" sz="1600" dirty="0"/>
-              <a:t> </a:t>
-            </a:r>
-            <a:r>
-              <a:rPr lang="en-US" sz="1600" dirty="0" err="1"/>
-              <a:t>kørt</a:t>
-            </a:r>
-            <a:r>
-              <a:rPr lang="en-US" sz="1600" dirty="0"/>
-              <a:t>.</a:t>
-            </a:r>
-          </a:p>
-          <a:p>
-            <a:r>
-              <a:rPr lang="en-US" sz="1600" dirty="0" err="1"/>
-              <a:t>Når</a:t>
-            </a:r>
-            <a:r>
-              <a:rPr lang="en-US" sz="1600" dirty="0"/>
-              <a:t> run() </a:t>
-            </a:r>
-            <a:r>
-              <a:rPr lang="en-US" sz="1600" dirty="0" err="1"/>
-              <a:t>metoden</a:t>
-            </a:r>
-            <a:r>
-              <a:rPr lang="en-US" sz="1600" dirty="0"/>
-              <a:t> </a:t>
-            </a:r>
-            <a:r>
-              <a:rPr lang="en-US" sz="1600" dirty="0" err="1"/>
-              <a:t>bliver</a:t>
-            </a:r>
-            <a:r>
-              <a:rPr lang="en-US" sz="1600" dirty="0"/>
-              <a:t> </a:t>
-            </a:r>
-            <a:r>
-              <a:rPr lang="en-US" sz="1600" dirty="0" err="1"/>
-              <a:t>kaldt</a:t>
-            </a:r>
-            <a:r>
-              <a:rPr lang="en-US" sz="1600" dirty="0"/>
-              <a:t>, </a:t>
-            </a:r>
-            <a:r>
-              <a:rPr lang="en-US" sz="1600" dirty="0" err="1"/>
-              <a:t>så</a:t>
-            </a:r>
-            <a:r>
-              <a:rPr lang="en-US" sz="1600" dirty="0"/>
-              <a:t> </a:t>
-            </a:r>
-            <a:r>
-              <a:rPr lang="en-US" sz="1600" dirty="0" err="1"/>
-              <a:t>kører</a:t>
-            </a:r>
-            <a:r>
-              <a:rPr lang="en-US" sz="1600" dirty="0"/>
-              <a:t> </a:t>
-            </a:r>
-            <a:r>
-              <a:rPr lang="en-US" sz="1600" dirty="0" err="1"/>
-              <a:t>threaden</a:t>
-            </a:r>
-            <a:r>
-              <a:rPr lang="en-US" sz="1600" dirty="0"/>
-              <a:t> </a:t>
-            </a:r>
-            <a:r>
-              <a:rPr lang="en-US" sz="1600" dirty="0" err="1"/>
-              <a:t>og</a:t>
-            </a:r>
-            <a:r>
-              <a:rPr lang="en-US" sz="1600" dirty="0"/>
-              <a:t> den </a:t>
-            </a:r>
-            <a:r>
-              <a:rPr lang="en-US" sz="1600" dirty="0" err="1"/>
-              <a:t>kode</a:t>
-            </a:r>
-            <a:r>
-              <a:rPr lang="en-US" sz="1600" dirty="0"/>
-              <a:t>, </a:t>
-            </a:r>
-            <a:r>
-              <a:rPr lang="en-US" sz="1600" dirty="0" err="1"/>
-              <a:t>som</a:t>
-            </a:r>
-            <a:r>
-              <a:rPr lang="en-US" sz="1600" dirty="0"/>
-              <a:t> run() </a:t>
-            </a:r>
-            <a:r>
-              <a:rPr lang="en-US" sz="1600" dirty="0" err="1"/>
-              <a:t>indeholder</a:t>
-            </a:r>
-            <a:r>
-              <a:rPr lang="en-US" sz="1600" dirty="0"/>
-              <a:t> </a:t>
-            </a:r>
-            <a:r>
-              <a:rPr lang="en-US" sz="1600" dirty="0" err="1"/>
-              <a:t>bliver</a:t>
-            </a:r>
-            <a:r>
-              <a:rPr lang="en-US" sz="1600" dirty="0"/>
-              <a:t> </a:t>
-            </a:r>
-            <a:r>
-              <a:rPr lang="en-US" sz="1600" dirty="0" err="1"/>
-              <a:t>eksekveret</a:t>
-            </a:r>
-            <a:r>
-              <a:rPr lang="en-US" sz="1600" dirty="0"/>
-              <a:t>.</a:t>
-            </a:r>
-          </a:p>
-          <a:p>
-            <a:r>
-              <a:rPr lang="en-US" sz="1600" dirty="0" err="1"/>
-              <a:t>En</a:t>
-            </a:r>
-            <a:r>
-              <a:rPr lang="en-US" sz="1600" dirty="0"/>
-              <a:t> tread </a:t>
-            </a:r>
-            <a:r>
-              <a:rPr lang="en-US" sz="1600" dirty="0" err="1"/>
-              <a:t>kan</a:t>
-            </a:r>
-            <a:r>
-              <a:rPr lang="en-US" sz="1600" dirty="0"/>
-              <a:t> </a:t>
-            </a:r>
-            <a:r>
-              <a:rPr lang="en-US" sz="1600" dirty="0" err="1"/>
-              <a:t>enten</a:t>
-            </a:r>
-            <a:r>
-              <a:rPr lang="en-US" sz="1600" dirty="0"/>
-              <a:t> </a:t>
-            </a:r>
-            <a:r>
-              <a:rPr lang="en-US" sz="1600" dirty="0" err="1"/>
-              <a:t>sættes</a:t>
-            </a:r>
-            <a:r>
-              <a:rPr lang="en-US" sz="1600" dirty="0"/>
-              <a:t> </a:t>
-            </a:r>
-            <a:r>
-              <a:rPr lang="en-US" sz="1600" dirty="0" err="1"/>
-              <a:t>til</a:t>
-            </a:r>
-            <a:r>
-              <a:rPr lang="en-US" sz="1600" dirty="0"/>
-              <a:t> at </a:t>
-            </a:r>
-            <a:r>
-              <a:rPr lang="en-US" sz="1600" dirty="0" err="1"/>
-              <a:t>vente</a:t>
-            </a:r>
-            <a:r>
-              <a:rPr lang="en-US" sz="1600" dirty="0"/>
-              <a:t> </a:t>
-            </a:r>
-            <a:r>
-              <a:rPr lang="en-US" sz="1600" dirty="0" err="1"/>
-              <a:t>indtil</a:t>
-            </a:r>
-            <a:r>
-              <a:rPr lang="en-US" sz="1600" dirty="0"/>
-              <a:t> et </a:t>
-            </a:r>
-            <a:r>
-              <a:rPr lang="en-US" sz="1600" dirty="0" err="1"/>
-              <a:t>kriterie</a:t>
-            </a:r>
-            <a:r>
-              <a:rPr lang="en-US" sz="1600" dirty="0"/>
-              <a:t> </a:t>
-            </a:r>
-            <a:r>
-              <a:rPr lang="en-US" sz="1600" dirty="0" err="1"/>
-              <a:t>bliver</a:t>
-            </a:r>
-            <a:r>
-              <a:rPr lang="en-US" sz="1600" dirty="0"/>
-              <a:t> </a:t>
-            </a:r>
-            <a:r>
-              <a:rPr lang="en-US" sz="1600" dirty="0" err="1"/>
-              <a:t>mødt</a:t>
-            </a:r>
-            <a:r>
-              <a:rPr lang="en-US" sz="1600" dirty="0"/>
-              <a:t>, </a:t>
-            </a:r>
-            <a:r>
-              <a:rPr lang="en-US" sz="1600" dirty="0" err="1"/>
-              <a:t>eller</a:t>
-            </a:r>
-            <a:r>
-              <a:rPr lang="en-US" sz="1600" dirty="0"/>
-              <a:t> man </a:t>
-            </a:r>
-            <a:r>
-              <a:rPr lang="en-US" sz="1600" dirty="0" err="1"/>
-              <a:t>kan</a:t>
-            </a:r>
-            <a:r>
-              <a:rPr lang="en-US" sz="1600" dirty="0"/>
-              <a:t> </a:t>
-            </a:r>
-            <a:r>
-              <a:rPr lang="en-US" sz="1600" dirty="0" err="1"/>
-              <a:t>angive</a:t>
-            </a:r>
-            <a:r>
-              <a:rPr lang="en-US" sz="1600" dirty="0"/>
-              <a:t> et </a:t>
-            </a:r>
-            <a:r>
-              <a:rPr lang="en-US" sz="1600" dirty="0" err="1"/>
-              <a:t>tidsinterval</a:t>
-            </a:r>
-            <a:r>
-              <a:rPr lang="en-US" sz="1600" dirty="0"/>
-              <a:t> </a:t>
-            </a:r>
-            <a:r>
-              <a:rPr lang="en-US" sz="1600" dirty="0" err="1"/>
-              <a:t>på</a:t>
-            </a:r>
-            <a:r>
-              <a:rPr lang="en-US" sz="1600" dirty="0"/>
-              <a:t>, </a:t>
-            </a:r>
-            <a:r>
-              <a:rPr lang="en-US" sz="1600" dirty="0" err="1"/>
-              <a:t>hvor</a:t>
-            </a:r>
-            <a:r>
-              <a:rPr lang="en-US" sz="1600" dirty="0"/>
-              <a:t> </a:t>
-            </a:r>
-            <a:r>
-              <a:rPr lang="en-US" sz="1600" dirty="0" err="1"/>
-              <a:t>lang</a:t>
-            </a:r>
-            <a:r>
-              <a:rPr lang="en-US" sz="1600" dirty="0"/>
-              <a:t> </a:t>
-            </a:r>
-            <a:r>
-              <a:rPr lang="en-US" sz="1600" dirty="0" err="1"/>
-              <a:t>tid</a:t>
-            </a:r>
-            <a:r>
-              <a:rPr lang="en-US" sz="1600" dirty="0"/>
-              <a:t>, at </a:t>
-            </a:r>
-            <a:r>
-              <a:rPr lang="en-US" sz="1600" dirty="0" err="1"/>
-              <a:t>treaden</a:t>
-            </a:r>
-            <a:r>
-              <a:rPr lang="en-US" sz="1600" dirty="0"/>
-              <a:t> </a:t>
-            </a:r>
-            <a:r>
-              <a:rPr lang="en-US" sz="1600" dirty="0" err="1"/>
-              <a:t>skal</a:t>
-            </a:r>
-            <a:r>
-              <a:rPr lang="en-US" sz="1600" dirty="0"/>
-              <a:t> </a:t>
-            </a:r>
-            <a:r>
-              <a:rPr lang="en-US" sz="1600" dirty="0" err="1"/>
-              <a:t>holde</a:t>
-            </a:r>
-            <a:r>
-              <a:rPr lang="en-US" sz="1600" dirty="0"/>
-              <a:t> pause (</a:t>
-            </a:r>
-            <a:r>
-              <a:rPr lang="en-US" sz="1600" dirty="0" err="1"/>
-              <a:t>Thread.sleep</a:t>
-            </a:r>
-            <a:r>
-              <a:rPr lang="en-US" sz="1600" dirty="0"/>
-              <a:t>(</a:t>
-            </a:r>
-            <a:r>
-              <a:rPr lang="en-US" sz="1600" dirty="0" err="1"/>
-              <a:t>mili</a:t>
-            </a:r>
-            <a:r>
-              <a:rPr lang="en-US" sz="1600" dirty="0"/>
-              <a:t> </a:t>
-            </a:r>
-            <a:r>
-              <a:rPr lang="en-US" sz="1600" dirty="0" err="1"/>
-              <a:t>sek</a:t>
-            </a:r>
-            <a:r>
-              <a:rPr lang="en-US" sz="1600" dirty="0"/>
-              <a:t>)). </a:t>
-            </a:r>
-          </a:p>
-          <a:p>
-            <a:r>
-              <a:rPr lang="en-US" sz="1600" dirty="0" err="1"/>
-              <a:t>Når</a:t>
-            </a:r>
-            <a:r>
-              <a:rPr lang="en-US" sz="1600" dirty="0"/>
-              <a:t> </a:t>
-            </a:r>
-            <a:r>
-              <a:rPr lang="en-US" sz="1600" dirty="0" err="1"/>
-              <a:t>en</a:t>
-            </a:r>
-            <a:r>
-              <a:rPr lang="en-US" sz="1600" dirty="0"/>
-              <a:t> thread </a:t>
-            </a:r>
-            <a:r>
-              <a:rPr lang="en-US" sz="1600" dirty="0" err="1"/>
-              <a:t>har</a:t>
-            </a:r>
-            <a:r>
-              <a:rPr lang="en-US" sz="1600" dirty="0"/>
-              <a:t> </a:t>
-            </a:r>
-            <a:r>
-              <a:rPr lang="en-US" sz="1600" dirty="0" err="1"/>
-              <a:t>eksekveret</a:t>
-            </a:r>
-            <a:r>
-              <a:rPr lang="en-US" sz="1600" dirty="0"/>
-              <a:t> </a:t>
-            </a:r>
-            <a:r>
-              <a:rPr lang="en-US" sz="1600" dirty="0" err="1"/>
-              <a:t>koden</a:t>
-            </a:r>
-            <a:r>
-              <a:rPr lang="en-US" sz="1600" dirty="0"/>
-              <a:t>, </a:t>
-            </a:r>
-            <a:r>
-              <a:rPr lang="en-US" sz="1600" dirty="0" err="1"/>
-              <a:t>stoppes</a:t>
-            </a:r>
-            <a:r>
-              <a:rPr lang="en-US" sz="1600" dirty="0"/>
-              <a:t> </a:t>
-            </a:r>
-            <a:r>
-              <a:rPr lang="en-US" sz="1600" dirty="0" err="1"/>
-              <a:t>threaden</a:t>
-            </a:r>
-            <a:r>
-              <a:rPr lang="en-US" sz="1600" dirty="0"/>
-              <a:t> </a:t>
-            </a:r>
-            <a:r>
-              <a:rPr lang="en-US" sz="1600" dirty="0" err="1"/>
-              <a:t>og</a:t>
-            </a:r>
-            <a:r>
-              <a:rPr lang="en-US" sz="1600" dirty="0"/>
-              <a:t> den </a:t>
-            </a:r>
-            <a:r>
-              <a:rPr lang="en-US" sz="1600" dirty="0" err="1"/>
-              <a:t>bliver</a:t>
-            </a:r>
-            <a:r>
-              <a:rPr lang="en-US" sz="1600" dirty="0"/>
-              <a:t> </a:t>
-            </a:r>
-            <a:r>
-              <a:rPr lang="en-US" sz="1600" dirty="0" err="1"/>
-              <a:t>anset</a:t>
-            </a:r>
-            <a:r>
-              <a:rPr lang="en-US" sz="1600" dirty="0"/>
-              <a:t> </a:t>
-            </a:r>
-            <a:r>
-              <a:rPr lang="en-US" sz="1600" dirty="0" err="1"/>
-              <a:t>som</a:t>
-            </a:r>
-            <a:r>
-              <a:rPr lang="en-US" sz="1600" dirty="0"/>
-              <a:t> </a:t>
-            </a:r>
-            <a:r>
-              <a:rPr lang="en-US" sz="1600" dirty="0" err="1"/>
-              <a:t>værende</a:t>
-            </a:r>
-            <a:r>
-              <a:rPr lang="en-US" sz="1600" dirty="0"/>
-              <a:t> </a:t>
-            </a:r>
-            <a:r>
-              <a:rPr lang="en-US" sz="1600" dirty="0" err="1"/>
-              <a:t>død</a:t>
-            </a:r>
-            <a:r>
-              <a:rPr lang="en-US" sz="1600" dirty="0"/>
-              <a:t>.</a:t>
+              <a:t>Dead/terminated</a:t>
             </a:r>
           </a:p>
           <a:p>
@@ -4324,7 +4442,7 @@
           <p:nvPr/>
         </p:nvPicPr>
         <p:blipFill>
-          <a:blip r:embed="rId2">
+          <a:blip r:embed="rId3">
             <a:extLst>
               <a:ext uri="{28A0092B-C50C-407E-A947-70E740481C1C}">
                 <a14:useLocalDpi xmlns:a14="http://schemas.microsoft.com/office/drawing/2010/main" val="0"/>
@@ -4463,71 +4581,19 @@
             </a:r>
             <a:r>
               <a:rPr lang="da-DK" sz="2000" dirty="0"/>
-              <a:t> </a:t>
-            </a:r>
-            <a:r>
-              <a:rPr lang="da-DK" sz="2000" dirty="0" err="1"/>
-              <a:t>thread</a:t>
-            </a:r>
+              <a:t> Thread </a:t>
+            </a:r>
+          </a:p>
+          <a:p>
             <a:r>
               <a:rPr lang="da-DK" sz="2000" dirty="0"/>
-              <a:t> </a:t>
-            </a:r>
-            <a:r>
-              <a:rPr lang="da-DK" sz="2000" dirty="0" err="1"/>
-              <a:t>classen</a:t>
-            </a:r>
+              <a:t>Override run()</a:t>
+            </a:r>
+          </a:p>
+          <a:p>
             <a:r>
               <a:rPr lang="da-DK" sz="2000" dirty="0"/>
-              <a:t>, som overrider vores run() metode i </a:t>
-            </a:r>
-            <a:r>
-              <a:rPr lang="da-DK" sz="2000" dirty="0" err="1"/>
-              <a:t>thread</a:t>
-            </a:r>
-            <a:r>
-              <a:rPr lang="da-DK" sz="2000" dirty="0"/>
-              <a:t> </a:t>
-            </a:r>
-            <a:r>
-              <a:rPr lang="da-DK" sz="2000" dirty="0" err="1"/>
-              <a:t>classen</a:t>
-            </a:r>
-            <a:r>
-              <a:rPr lang="da-DK" sz="2000" dirty="0"/>
-              <a:t>.</a:t>
-            </a:r>
-          </a:p>
-          <a:p>
-            <a:r>
-              <a:rPr lang="da-DK" sz="2000" dirty="0" err="1"/>
-              <a:t>Threaden</a:t>
-            </a:r>
-            <a:r>
-              <a:rPr lang="da-DK" sz="2000" dirty="0"/>
-              <a:t> ‘lever’ kun i run() metoden, dvs. så længe denne kører, så længe er </a:t>
-            </a:r>
-            <a:r>
-              <a:rPr lang="da-DK" sz="2000" dirty="0" err="1"/>
-              <a:t>threaden</a:t>
-            </a:r>
-            <a:r>
-              <a:rPr lang="da-DK" sz="2000" dirty="0"/>
-              <a:t> aktiv.</a:t>
-            </a:r>
-          </a:p>
-          <a:p>
-            <a:r>
-              <a:rPr lang="da-DK" sz="2000" dirty="0"/>
-              <a:t>Laver et objekt af den klasse, som man har lavet, som selvfølgelig </a:t>
-            </a:r>
-            <a:r>
-              <a:rPr lang="da-DK" sz="2000" dirty="0" err="1"/>
-              <a:t>extender</a:t>
-            </a:r>
-            <a:r>
-              <a:rPr lang="da-DK" sz="2000" dirty="0"/>
-              <a:t> Thread, hvorefter man kalder ‘start()’ metoden for at påbegynde ‘run()’ metoden.</a:t>
+              <a:t>Objekt af klasse -&gt; start() -&gt; run()</a:t>
             </a:r>
           </a:p>
         </p:txBody>
@@ -4779,8 +4845,14 @@
           <a:lstStyle/>
           <a:p>
             <a:r>
+              <a:rPr lang="en-US" sz="1800" dirty="0"/>
+              <a:t>Override run()</a:t>
+            </a:r>
+          </a:p>
+          <a:p>
+            <a:r>
               <a:rPr lang="en-US" sz="1800" dirty="0" err="1"/>
-              <a:t>Overrider</a:t>
+              <a:t>Opretter</a:t>
             </a:r>
             <a:r>
               <a:rPr lang="en-US" sz="1800" dirty="0"/>
@@ -4788,22 +4860,7 @@
             </a:r>
             <a:r>
               <a:rPr lang="en-US" sz="1800" dirty="0" err="1"/>
-              <a:t>ligeledes</a:t>
-            </a:r>
-            <a:r>
-              <a:rPr lang="en-US" sz="1800" dirty="0"/>
-              <a:t> run() </a:t>
-            </a:r>
-            <a:r>
-              <a:rPr lang="en-US" sz="1800" dirty="0" err="1"/>
-              <a:t>metoden</a:t>
-            </a:r>
-            <a:endParaRPr lang="en-US" sz="1800" dirty="0"/>
-          </a:p>
-          <a:p>
-            <a:r>
-              <a:rPr lang="en-US" sz="1800" dirty="0" err="1"/>
-              <a:t>Opretter</a:t>
+              <a:t>ikke</a:t>
             </a:r>
             <a:r>
               <a:rPr lang="en-US" sz="1800" dirty="0"/>
@@ -4811,11 +4868,11 @@
             </a:r>
             <a:r>
               <a:rPr lang="en-US" sz="1800" dirty="0" err="1"/>
-              <a:t>ikke</a:t>
+              <a:t>objekt</a:t>
             </a:r>
             <a:r>
               <a:rPr lang="en-US" sz="1800" dirty="0"/>
-              <a:t> object </a:t>
+              <a:t> </a:t>
             </a:r>
             <a:r>
               <a:rPr lang="en-US" sz="1800" dirty="0" err="1"/>
@@ -4838,15 +4895,15 @@
             </a:r>
             <a:r>
               <a:rPr lang="en-US" sz="1800" dirty="0"/>
-              <a:t> et thread object </a:t>
+              <a:t> et Thread </a:t>
             </a:r>
             <a:r>
               <a:rPr lang="en-US" sz="1800" dirty="0" err="1"/>
-              <a:t>og</a:t>
+              <a:t>objekt</a:t>
             </a:r>
             <a:r>
               <a:rPr lang="en-US" sz="1800" dirty="0"/>
-              <a:t> </a:t>
+              <a:t> og </a:t>
             </a:r>
             <a:r>
               <a:rPr lang="en-US" sz="1800" dirty="0" err="1"/>
@@ -5008,32 +5065,13 @@
             </a:r>
             <a:r>
               <a:rPr lang="da-DK" dirty="0"/>
-              <a:t> </a:t>
-            </a:r>
-            <a:r>
-              <a:rPr lang="da-DK" dirty="0" err="1"/>
-              <a:t>thread</a:t>
-            </a:r>
-            <a:r>
-              <a:rPr lang="da-DK" dirty="0"/>
-              <a:t> – kan ikke </a:t>
-            </a:r>
-            <a:r>
-              <a:rPr lang="da-DK" dirty="0" err="1"/>
-              <a:t>extende</a:t>
-            </a:r>
-            <a:r>
-              <a:rPr lang="da-DK" dirty="0"/>
-              <a:t> andre klasser (Java understøtter ikke multiple </a:t>
+              <a:t> Thread – minus multiple </a:t>
             </a:r>
             <a:r>
               <a:rPr lang="da-DK" dirty="0" err="1"/>
               <a:t>inheritance</a:t>
             </a:r>
-            <a:r>
-              <a:rPr lang="da-DK" dirty="0"/>
-              <a:t>).</a:t>
-            </a:r>
+            <a:endParaRPr lang="da-DK" dirty="0"/>
           </a:p>
           <a:p>
             <a:r>
@@ -5042,31 +5080,15 @@
             </a:r>
             <a:r>
               <a:rPr lang="da-DK" dirty="0"/>
-              <a:t> </a:t>
+              <a:t> Thread – </a:t>
             </a:r>
             <a:r>
               <a:rPr lang="da-DK" dirty="0" err="1"/>
-              <a:t>thread</a:t>
+              <a:t>interrupt</a:t>
             </a:r>
             <a:r>
               <a:rPr lang="da-DK" dirty="0"/>
-              <a:t> besidder basal funktionalitet, som </a:t>
-            </a:r>
-            <a:r>
-              <a:rPr lang="da-DK" dirty="0" err="1"/>
-              <a:t>e.g</a:t>
-            </a:r>
-            <a:r>
-              <a:rPr lang="da-DK" dirty="0"/>
-              <a:t>. </a:t>
-            </a:r>
-            <a:r>
-              <a:rPr lang="da-DK" dirty="0" err="1"/>
-              <a:t>Interrupt</a:t>
-            </a:r>
-            <a:r>
-              <a:rPr lang="da-DK" dirty="0"/>
-              <a:t>() og </a:t>
+              <a:t>() &amp; </a:t>
             </a:r>
             <a:r>
               <a:rPr lang="da-DK" dirty="0" err="1"/>
@@ -5074,7 +5096,7 @@
             </a:r>
             <a:r>
               <a:rPr lang="da-DK" dirty="0"/>
-              <a:t>().</a:t>
+              <a:t>() </a:t>
             </a:r>
           </a:p>
           <a:p>
@@ -5084,24 +5106,13 @@
             </a:r>
             <a:r>
               <a:rPr lang="da-DK" dirty="0"/>
-              <a:t> Runnable – kan godt </a:t>
+              <a:t> Runnable – multiple </a:t>
             </a:r>
             <a:r>
               <a:rPr lang="da-DK" dirty="0" err="1"/>
-              <a:t>extende</a:t>
-            </a:r>
-            <a:r>
-              <a:rPr lang="da-DK" dirty="0"/>
-              <a:t> andre klasser (eksempelvis </a:t>
-            </a:r>
-            <a:r>
-              <a:rPr lang="da-DK" dirty="0" err="1"/>
-              <a:t>nedarvning</a:t>
-            </a:r>
-            <a:r>
-              <a:rPr lang="da-DK" dirty="0"/>
-              <a:t> fra en super klasse).</a:t>
-            </a:r>
+              <a:t>inheritance</a:t>
+            </a:r>
+            <a:endParaRPr lang="da-DK" dirty="0"/>
           </a:p>
           <a:p>
             <a:r>
@@ -5110,15 +5121,7 @@
             </a:r>
             <a:r>
               <a:rPr lang="da-DK" dirty="0"/>
-              <a:t> Runnable kender ikke til disse metoder, som </a:t>
-            </a:r>
-            <a:r>
-              <a:rPr lang="da-DK" dirty="0" err="1"/>
-              <a:t>thread</a:t>
-            </a:r>
-            <a:r>
-              <a:rPr lang="da-DK" dirty="0"/>
-              <a:t> klassen kender.</a:t>
+              <a:t> Runnable – minus metoder fra Thread</a:t>
             </a:r>
           </a:p>
           <a:p>
@@ -5161,229 +5164,6 @@
           <p:cNvPr id="2" name="Titel 1">
             <a:extLst>
               <a:ext uri="{FF2B5EF4-FFF2-40B4-BE49-F238E27FC236}">
-                <a16:creationId xmlns:a16="http://schemas.microsoft.com/office/drawing/2014/main" id="{104D5730-EF55-CD4B-9C2A-F4E3A4401E80}"/>
-              </a:ext>
-            </a:extLst>
-          </p:cNvPr>
-          <p:cNvSpPr>
-            <a:spLocks noGrp="1"/>
-          </p:cNvSpPr>
-          <p:nvPr>
-            <p:ph type="title"/>
-          </p:nvPr>
-        </p:nvSpPr>
-        <p:spPr/>
-        <p:txBody>
-          <a:bodyPr/>
-          <a:lstStyle/>
-          <a:p>
-            <a:r>
-              <a:rPr lang="da-DK" dirty="0"/>
-              <a:t>Threads stadier</a:t>
-            </a:r>
-          </a:p>
-        </p:txBody>
-      </p:sp>
-      <p:sp>
-        <p:nvSpPr>
-          <p:cNvPr id="3" name="Pladsholder til indhold 2">
-            <a:extLst>
-              <a:ext uri="{FF2B5EF4-FFF2-40B4-BE49-F238E27FC236}">
-                <a16:creationId xmlns:a16="http://schemas.microsoft.com/office/drawing/2014/main" id="{B04A8EB5-7935-6B4C-B661-E4F44154010A}"/>
-              </a:ext>
-            </a:extLst>
-          </p:cNvPr>
-          <p:cNvSpPr>
-            <a:spLocks noGrp="1"/>
-          </p:cNvSpPr>
-          <p:nvPr>
-            <p:ph idx="1"/>
-          </p:nvPr>
-        </p:nvSpPr>
-        <p:spPr>
-          <a:xfrm>
-            <a:off x="838200" y="1825624"/>
-            <a:ext cx="10515600" cy="5032375"/>
-          </a:xfrm>
-        </p:spPr>
-        <p:txBody>
-          <a:bodyPr>
-            <a:normAutofit/>
-          </a:bodyPr>
-          <a:lstStyle/>
-          <a:p>
-            <a:r>
-              <a:rPr lang="da-DK" sz="2400" dirty="0"/>
-              <a:t>NEW: når en ny </a:t>
-            </a:r>
-            <a:r>
-              <a:rPr lang="da-DK" sz="2400" dirty="0" err="1"/>
-              <a:t>thread</a:t>
-            </a:r>
-            <a:r>
-              <a:rPr lang="da-DK" sz="2400" dirty="0"/>
-              <a:t> er ‘født’, men endnu ikke startet.</a:t>
-            </a:r>
-          </a:p>
-          <a:p>
-            <a:r>
-              <a:rPr lang="da-DK" sz="2400" dirty="0"/>
-              <a:t>RUNNABLE: når en </a:t>
-            </a:r>
-            <a:r>
-              <a:rPr lang="da-DK" sz="2400" dirty="0" err="1"/>
-              <a:t>thread</a:t>
-            </a:r>
-            <a:r>
-              <a:rPr lang="da-DK" sz="2400" dirty="0"/>
-              <a:t> kan blive eksekveret i en JVM. </a:t>
-            </a:r>
-          </a:p>
-          <a:p>
-            <a:r>
-              <a:rPr lang="da-DK" sz="2400" dirty="0"/>
-              <a:t>RUNNING: når en </a:t>
-            </a:r>
-            <a:r>
-              <a:rPr lang="da-DK" sz="2400" dirty="0" err="1"/>
-              <a:t>thread</a:t>
-            </a:r>
-            <a:r>
-              <a:rPr lang="da-DK" sz="2400" dirty="0"/>
-              <a:t> bliver eksekvereret.</a:t>
-            </a:r>
-          </a:p>
-          <a:p>
-            <a:r>
-              <a:rPr lang="da-DK" sz="2400" dirty="0"/>
-              <a:t>BLOCKED: når en </a:t>
-            </a:r>
-            <a:r>
-              <a:rPr lang="da-DK" sz="2400" dirty="0" err="1"/>
-              <a:t>thread</a:t>
-            </a:r>
-            <a:r>
-              <a:rPr lang="da-DK" sz="2400" dirty="0"/>
-              <a:t> afventer et krav, som skal opfyldes før den kan køre videre.</a:t>
-            </a:r>
-          </a:p>
-          <a:p>
-            <a:r>
-              <a:rPr lang="da-DK" sz="2400" dirty="0"/>
-              <a:t>WAITING: når en </a:t>
-            </a:r>
-            <a:r>
-              <a:rPr lang="da-DK" sz="2400" dirty="0" err="1"/>
-              <a:t>thread</a:t>
-            </a:r>
-            <a:r>
-              <a:rPr lang="da-DK" sz="2400" dirty="0"/>
-              <a:t> venter på, at blive </a:t>
-            </a:r>
-            <a:r>
-              <a:rPr lang="da-DK" sz="2400" dirty="0" err="1"/>
-              <a:t>notified</a:t>
-            </a:r>
-            <a:r>
-              <a:rPr lang="da-DK" sz="2400" dirty="0"/>
-              <a:t>, før den kører videre, </a:t>
-            </a:r>
-            <a:r>
-              <a:rPr lang="da-DK" sz="2400" dirty="0" err="1"/>
-              <a:t>e.g</a:t>
-            </a:r>
-            <a:r>
-              <a:rPr lang="da-DK" sz="2400" dirty="0"/>
-              <a:t>. ved </a:t>
-            </a:r>
-            <a:r>
-              <a:rPr lang="da-DK" sz="2400" dirty="0" err="1"/>
-              <a:t>notify</a:t>
-            </a:r>
-            <a:r>
-              <a:rPr lang="da-DK" sz="2400" dirty="0"/>
-              <a:t>() eller </a:t>
-            </a:r>
-            <a:r>
-              <a:rPr lang="da-DK" sz="2400" dirty="0" err="1"/>
-              <a:t>notifyAll</a:t>
-            </a:r>
-            <a:r>
-              <a:rPr lang="da-DK" sz="2400" dirty="0"/>
-              <a:t>().</a:t>
-            </a:r>
-          </a:p>
-          <a:p>
-            <a:r>
-              <a:rPr lang="da-DK" sz="2400" dirty="0"/>
-              <a:t>TIMED WAITING: når en </a:t>
-            </a:r>
-            <a:r>
-              <a:rPr lang="da-DK" sz="2400" dirty="0" err="1"/>
-              <a:t>thread</a:t>
-            </a:r>
-            <a:r>
-              <a:rPr lang="da-DK" sz="2400" dirty="0"/>
-              <a:t> har fået af vide, at den skal vente x antal sekunder, minutter, timer, dage etc. før den skal begynde at eksekvere igen.</a:t>
-            </a:r>
-          </a:p>
-          <a:p>
-            <a:r>
-              <a:rPr lang="da-DK" sz="2400" dirty="0"/>
-              <a:t>TERMINATED: når </a:t>
-            </a:r>
-            <a:r>
-              <a:rPr lang="da-DK" sz="2400" dirty="0" err="1"/>
-              <a:t>threaden</a:t>
-            </a:r>
-            <a:r>
-              <a:rPr lang="da-DK" sz="2400" dirty="0"/>
-              <a:t> er død.</a:t>
-            </a:r>
-          </a:p>
-          <a:p>
-            <a:endParaRPr lang="da-DK" sz="2400" dirty="0"/>
-          </a:p>
-          <a:p>
-            <a:endParaRPr lang="da-DK" sz="2400" dirty="0"/>
-          </a:p>
-        </p:txBody>
-      </p:sp>
-    </p:spTree>
-    <p:extLst>
-      <p:ext uri="{BB962C8B-B14F-4D97-AF65-F5344CB8AC3E}">
-        <p14:creationId xmlns:p14="http://schemas.microsoft.com/office/powerpoint/2010/main" val="405863355"/>
-      </p:ext>
-    </p:extLst>
-  </p:cSld>
-  <p:clrMapOvr>
-    <a:masterClrMapping/>
-  </p:clrMapOvr>
-</p:sld>
-</file>
-
-<file path=ppt/slides/slide8.xml><?xml version="1.0" encoding="utf-8"?>
-<p:sld xmlns:a="http://schemas.openxmlformats.org/drawingml/2006/main" xmlns:r="http://schemas.openxmlformats.org/officeDocument/2006/relationships" xmlns:p="http://schemas.openxmlformats.org/presentationml/2006/main">
-  <p:cSld>
-    <p:spTree>
-      <p:nvGrpSpPr>
-        <p:cNvPr id="1" name=""/>
-        <p:cNvGrpSpPr/>
-        <p:nvPr/>
-      </p:nvGrpSpPr>
-      <p:grpSpPr>
-        <a:xfrm>
-          <a:off x="0" y="0"/>
-          <a:ext cx="0" cy="0"/>
-          <a:chOff x="0" y="0"/>
-          <a:chExt cx="0" cy="0"/>
-        </a:xfrm>
-      </p:grpSpPr>
-      <p:sp>
-        <p:nvSpPr>
-          <p:cNvPr id="2" name="Titel 1">
-            <a:extLst>
-              <a:ext uri="{FF2B5EF4-FFF2-40B4-BE49-F238E27FC236}">
                 <a16:creationId xmlns:a16="http://schemas.microsoft.com/office/drawing/2014/main" id="{97819B82-1BA2-6946-A8F9-15C615DF5409}"/>
               </a:ext>
             </a:extLst>
@@ -5440,91 +5220,43 @@
             <a:pPr fontAlgn="base"/>
             <a:r>
               <a:rPr lang="da-DK" dirty="0"/>
-              <a:t>Én </a:t>
+              <a:t>1 Thread </a:t>
             </a:r>
             <a:r>
               <a:rPr lang="da-DK" dirty="0" err="1"/>
-              <a:t>thread</a:t>
+              <a:t>vs</a:t>
             </a:r>
             <a:r>
               <a:rPr lang="da-DK" dirty="0"/>
-              <a:t> er aktiv af gangen / Flere </a:t>
-            </a:r>
-            <a:r>
-              <a:rPr lang="da-DK" dirty="0" err="1"/>
-              <a:t>threads</a:t>
-            </a:r>
+              <a:t> +1 Thread</a:t>
+            </a:r>
+          </a:p>
+          <a:p>
+            <a:pPr fontAlgn="base"/>
             <a:r>
               <a:rPr lang="da-DK" dirty="0"/>
-              <a:t> er aktive af gangen.</a:t>
+              <a:t>CPU tid spildes / CPU tid spildes ikke</a:t>
             </a:r>
           </a:p>
           <a:p>
             <a:pPr fontAlgn="base"/>
             <a:r>
               <a:rPr lang="da-DK" dirty="0"/>
-              <a:t>CPU tid spildes / CPU tid spildes aldrig.</a:t>
+              <a:t>Afventningens tiden er længere / Afventnings tiden er minimal</a:t>
             </a:r>
           </a:p>
           <a:p>
             <a:pPr fontAlgn="base"/>
             <a:r>
               <a:rPr lang="da-DK" dirty="0"/>
-              <a:t>Afventningens tiden er længere / Afventnings tiden er minimal.</a:t>
+              <a:t>Mindre effektive programmer / Mere effektive programmer</a:t>
             </a:r>
           </a:p>
           <a:p>
             <a:pPr fontAlgn="base"/>
             <a:r>
               <a:rPr lang="da-DK" dirty="0"/>
-              <a:t>Mindre effektive programmer / Mere effektive programmer.</a:t>
-            </a:r>
-          </a:p>
-          <a:p>
-            <a:pPr fontAlgn="base"/>
-            <a:r>
-              <a:rPr lang="da-DK" dirty="0"/>
-              <a:t>Når en </a:t>
-            </a:r>
-            <a:r>
-              <a:rPr lang="da-DK" dirty="0" err="1"/>
-              <a:t>thread</a:t>
-            </a:r>
-            <a:r>
-              <a:rPr lang="da-DK" dirty="0"/>
-              <a:t> er “</a:t>
-            </a:r>
-            <a:r>
-              <a:rPr lang="da-DK" dirty="0" err="1"/>
-              <a:t>pauset</a:t>
-            </a:r>
-            <a:r>
-              <a:rPr lang="da-DK" dirty="0"/>
-              <a:t>”, venter hele systemet på denne genoptages. / Hvis en </a:t>
-            </a:r>
-            <a:r>
-              <a:rPr lang="da-DK" dirty="0" err="1"/>
-              <a:t>thread</a:t>
-            </a:r>
-            <a:r>
-              <a:rPr lang="da-DK" dirty="0"/>
-              <a:t> bliver “</a:t>
-            </a:r>
-            <a:r>
-              <a:rPr lang="da-DK" dirty="0" err="1"/>
-              <a:t>pauset</a:t>
-            </a:r>
-            <a:r>
-              <a:rPr lang="da-DK" dirty="0"/>
-              <a:t>” fortsætter resterende </a:t>
-            </a:r>
-            <a:r>
-              <a:rPr lang="da-DK" dirty="0" err="1"/>
-              <a:t>threads</a:t>
-            </a:r>
-            <a:r>
-              <a:rPr lang="da-DK" dirty="0"/>
-              <a:t> som normalt.</a:t>
+              <a:t>Ved pause - Afventende/simultant</a:t>
             </a:r>
           </a:p>
           <a:p>
@@ -5838,4 +5570,299 @@
     </a:ext>
   </a:extLst>
 </a:theme>
+</file>
+
+<file path=ppt/theme/theme2.xml><?xml version="1.0" encoding="utf-8"?>
+<a:theme xmlns:a="http://schemas.openxmlformats.org/drawingml/2006/main" name="Office-tema">
+  <a:themeElements>
+    <a:clrScheme name="Office">
+      <a:dk1>
+        <a:sysClr val="windowText" lastClr="000000"/>
+      </a:dk1>
+      <a:lt1>
+        <a:sysClr val="window" lastClr="FFFFFF"/>
+      </a:lt1>
+      <a:dk2>
+        <a:srgbClr val="44546A"/>
+      </a:dk2>
+      <a:lt2>
+        <a:srgbClr val="E7E6E6"/>
+      </a:lt2>
+      <a:accent1>
+        <a:srgbClr val="4472C4"/>
+      </a:accent1>
+      <a:accent2>
+        <a:srgbClr val="ED7D31"/>
+      </a:accent2>
+      <a:accent3>
+        <a:srgbClr val="A5A5A5"/>
+      </a:accent3>
+      <a:accent4>
+        <a:srgbClr val="FFC000"/>
+      </a:accent4>
+      <a:accent5>
+        <a:srgbClr val="5B9BD5"/>
+      </a:accent5>
+      <a:accent6>
+        <a:srgbClr val="70AD47"/>
+      </a:accent6>
+      <a:hlink>
+        <a:srgbClr val="0563C1"/>
+      </a:hlink>
+      <a:folHlink>
+        <a:srgbClr val="954F72"/>
+      </a:folHlink>
+    </a:clrScheme>
+    <a:fontScheme name="Office">
+      <a:majorFont>
+        <a:latin typeface="Calibri Light" panose="020F0302020204030204"/>
+        <a:ea typeface=""/>
+        <a:cs typeface=""/>
+        <a:font script="Jpan" typeface="游ゴシック Light"/>
+        <a:font script="Hang" typeface="맑은 고딕"/>
+        <a:font script="Hans" typeface="等线 Light"/>
+        <a:font script="Hant" typeface="新細明體"/>
+        <a:font script="Arab" typeface="Times New Roman"/>
+        <a:font script="Hebr" typeface="Times New Roman"/>
+        <a:font script="Thai" typeface="Angsana New"/>
+        <a:font script="Ethi" typeface="Nyala"/>
+        <a:font script="Beng" typeface="Vrinda"/>
+        <a:font script="Gujr" typeface="Shruti"/>
+        <a:font script="Khmr" typeface="MoolBoran"/>
+        <a:font script="Knda" typeface="Tunga"/>
+        <a:font script="Guru" typeface="Raavi"/>
+        <a:font script="Cans" typeface="Euphemia"/>
+        <a:font script="Cher" typeface="Plantagenet Cherokee"/>
+        <a:font script="Yiii" typeface="Microsoft Yi Baiti"/>
+        <a:font script="Tibt" typeface="Microsoft Himalaya"/>
+        <a:font script="Thaa" typeface="MV Boli"/>
+        <a:font script="Deva" typeface="Mangal"/>
+        <a:font script="Telu" typeface="Gautami"/>
+        <a:font script="Taml" typeface="Latha"/>
+        <a:font script="Syrc" typeface="Estrangelo Edessa"/>
+        <a:font script="Orya" typeface="Kalinga"/>
+        <a:font script="Mlym" typeface="Kartika"/>
+        <a:font script="Laoo" typeface="DokChampa"/>
+        <a:font script="Sinh" typeface="Iskoola Pota"/>
+        <a:font script="Mong" typeface="Mongolian Baiti"/>
+        <a:font script="Viet" typeface="Times New Roman"/>
+        <a:font script="Uigh" typeface="Microsoft Uighur"/>
+        <a:font script="Geor" typeface="Sylfaen"/>
+        <a:font script="Armn" typeface="Arial"/>
+        <a:font script="Bugi" typeface="Leelawadee UI"/>
+        <a:font script="Bopo" typeface="Microsoft JhengHei"/>
+        <a:font script="Java" typeface="Javanese Text"/>
+        <a:font script="Lisu" typeface="Segoe UI"/>
+        <a:font script="Mymr" typeface="Myanmar Text"/>
+        <a:font script="Nkoo" typeface="Ebrima"/>
+        <a:font script="Olck" typeface="Nirmala UI"/>
+        <a:font script="Osma" typeface="Ebrima"/>
+        <a:font script="Phag" typeface="Phagspa"/>
+        <a:font script="Syrn" typeface="Estrangelo Edessa"/>
+        <a:font script="Syrj" typeface="Estrangelo Edessa"/>
+        <a:font script="Syre" typeface="Estrangelo Edessa"/>
+        <a:font script="Sora" typeface="Nirmala UI"/>
+        <a:font script="Tale" typeface="Microsoft Tai Le"/>
+        <a:font script="Talu" typeface="Microsoft New Tai Lue"/>
+        <a:font script="Tfng" typeface="Ebrima"/>
+      </a:majorFont>
+      <a:minorFont>
+        <a:latin typeface="Calibri" panose="020F0502020204030204"/>
+        <a:ea typeface=""/>
+        <a:cs typeface=""/>
+        <a:font script="Jpan" typeface="游ゴシック"/>
+        <a:font script="Hang" typeface="맑은 고딕"/>
+        <a:font script="Hans" typeface="等线"/>
+        <a:font script="Hant" typeface="新細明體"/>
+        <a:font script="Arab" typeface="Arial"/>
+        <a:font script="Hebr" typeface="Arial"/>
+        <a:font script="Thai" typeface="Cordia New"/>
+        <a:font script="Ethi" typeface="Nyala"/>
+        <a:font script="Beng" typeface="Vrinda"/>
+        <a:font script="Gujr" typeface="Shruti"/>
+        <a:font script="Khmr" typeface="DaunPenh"/>
+        <a:font script="Knda" typeface="Tunga"/>
+        <a:font script="Guru" typeface="Raavi"/>
+        <a:font script="Cans" typeface="Euphemia"/>
+        <a:font script="Cher" typeface="Plantagenet Cherokee"/>
+        <a:font script="Yiii" typeface="Microsoft Yi Baiti"/>
+        <a:font script="Tibt" typeface="Microsoft Himalaya"/>
+        <a:font script="Thaa" typeface="MV Boli"/>
+        <a:font script="Deva" typeface="Mangal"/>
+        <a:font script="Telu" typeface="Gautami"/>
+        <a:font script="Taml" typeface="Latha"/>
+        <a:font script="Syrc" typeface="Estrangelo Edessa"/>
+        <a:font script="Orya" typeface="Kalinga"/>
+        <a:font script="Mlym" typeface="Kartika"/>
+        <a:font script="Laoo" typeface="DokChampa"/>
+        <a:font script="Sinh" typeface="Iskoola Pota"/>
+        <a:font script="Mong" typeface="Mongolian Baiti"/>
+        <a:font script="Viet" typeface="Arial"/>
+        <a:font script="Uigh" typeface="Microsoft Uighur"/>
+        <a:font script="Geor" typeface="Sylfaen"/>
+        <a:font script="Armn" typeface="Arial"/>
+        <a:font script="Bugi" typeface="Leelawadee UI"/>
+        <a:font script="Bopo" typeface="Microsoft JhengHei"/>
+        <a:font script="Java" typeface="Javanese Text"/>
+        <a:font script="Lisu" typeface="Segoe UI"/>
+        <a:font script="Mymr" typeface="Myanmar Text"/>
+        <a:font script="Nkoo" typeface="Ebrima"/>
+        <a:font script="Olck" typeface="Nirmala UI"/>
+        <a:font script="Osma" typeface="Ebrima"/>
+        <a:font script="Phag" typeface="Phagspa"/>
+        <a:font script="Syrn" typeface="Estrangelo Edessa"/>
+        <a:font script="Syrj" typeface="Estrangelo Edessa"/>
+        <a:font script="Syre" typeface="Estrangelo Edessa"/>
+        <a:font script="Sora" typeface="Nirmala UI"/>
+        <a:font script="Tale" typeface="Microsoft Tai Le"/>
+        <a:font script="Talu" typeface="Microsoft New Tai Lue"/>
+        <a:font script="Tfng" typeface="Ebrima"/>
+      </a:minorFont>
+    </a:fontScheme>
+    <a:fmtScheme name="Office">
+      <a:fillStyleLst>
+        <a:solidFill>
+          <a:schemeClr val="phClr"/>
+        </a:solidFill>
+        <a:gradFill rotWithShape="1">
+          <a:gsLst>
+            <a:gs pos="0">
+              <a:schemeClr val="phClr">
+                <a:lumMod val="110000"/>
+                <a:satMod val="105000"/>
+                <a:tint val="67000"/>
+              </a:schemeClr>
+            </a:gs>
+            <a:gs pos="50000">
+              <a:schemeClr val="phClr">
+                <a:lumMod val="105000"/>
+                <a:satMod val="103000"/>
+                <a:tint val="73000"/>
+              </a:schemeClr>
+            </a:gs>
+            <a:gs pos="100000">
+              <a:schemeClr val="phClr">
+                <a:lumMod val="105000"/>
+                <a:satMod val="109000"/>
+                <a:tint val="81000"/>
+              </a:schemeClr>
+            </a:gs>
+          </a:gsLst>
+          <a:lin ang="5400000" scaled="0"/>
+        </a:gradFill>
+        <a:gradFill rotWithShape="1">
+          <a:gsLst>
+            <a:gs pos="0">
+              <a:schemeClr val="phClr">
+                <a:satMod val="103000"/>
+                <a:lumMod val="102000"/>
+                <a:tint val="94000"/>
+              </a:schemeClr>
+            </a:gs>
+            <a:gs pos="50000">
+              <a:schemeClr val="phClr">
+                <a:satMod val="110000"/>
+                <a:lumMod val="100000"/>
+                <a:shade val="100000"/>
+              </a:schemeClr>
+            </a:gs>
+            <a:gs pos="100000">
+              <a:schemeClr val="phClr">
+                <a:lumMod val="99000"/>
+                <a:satMod val="120000"/>
+                <a:shade val="78000"/>
+              </a:schemeClr>
+            </a:gs>
+          </a:gsLst>
+          <a:lin ang="5400000" scaled="0"/>
+        </a:gradFill>
+      </a:fillStyleLst>
+      <a:lnStyleLst>
+        <a:ln w="6350" cap="flat" cmpd="sng" algn="ctr">
+          <a:solidFill>
+            <a:schemeClr val="phClr"/>
+          </a:solidFill>
+          <a:prstDash val="solid"/>
+          <a:miter lim="800000"/>
+        </a:ln>
+        <a:ln w="12700" cap="flat" cmpd="sng" algn="ctr">
+          <a:solidFill>
+            <a:schemeClr val="phClr"/>
+          </a:solidFill>
+          <a:prstDash val="solid"/>
+          <a:miter lim="800000"/>
+        </a:ln>
+        <a:ln w="19050" cap="flat" cmpd="sng" algn="ctr">
+          <a:solidFill>
+            <a:schemeClr val="phClr"/>
+          </a:solidFill>
+          <a:prstDash val="solid"/>
+          <a:miter lim="800000"/>
+        </a:ln>
+      </a:lnStyleLst>
+      <a:effectStyleLst>
+        <a:effectStyle>
+          <a:effectLst/>
+        </a:effectStyle>
+        <a:effectStyle>
+          <a:effectLst/>
+        </a:effectStyle>
+        <a:effectStyle>
+          <a:effectLst>
+            <a:outerShdw blurRad="57150" dist="19050" dir="5400000" algn="ctr" rotWithShape="0">
+              <a:srgbClr val="000000">
+                <a:alpha val="63000"/>
+              </a:srgbClr>
+            </a:outerShdw>
+          </a:effectLst>
+        </a:effectStyle>
+      </a:effectStyleLst>
+      <a:bgFillStyleLst>
+        <a:solidFill>
+          <a:schemeClr val="phClr"/>
+        </a:solidFill>
+        <a:solidFill>
+          <a:schemeClr val="phClr">
+            <a:tint val="95000"/>
+            <a:satMod val="170000"/>
+          </a:schemeClr>
+        </a:solidFill>
+        <a:gradFill rotWithShape="1">
+          <a:gsLst>
+            <a:gs pos="0">
+              <a:schemeClr val="phClr">
+                <a:tint val="93000"/>
+                <a:satMod val="150000"/>
+                <a:shade val="98000"/>
+                <a:lumMod val="102000"/>
+              </a:schemeClr>
+            </a:gs>
+            <a:gs pos="50000">
+              <a:schemeClr val="phClr">
+                <a:tint val="98000"/>
+                <a:satMod val="130000"/>
+                <a:shade val="90000"/>
+                <a:lumMod val="103000"/>
+              </a:schemeClr>
+            </a:gs>
+            <a:gs pos="100000">
+              <a:schemeClr val="phClr">
+                <a:shade val="63000"/>
+                <a:satMod val="120000"/>
+              </a:schemeClr>
+            </a:gs>
+          </a:gsLst>
+          <a:lin ang="5400000" scaled="0"/>
+        </a:gradFill>
+      </a:bgFillStyleLst>
+    </a:fmtScheme>
+  </a:themeElements>
+  <a:objectDefaults/>
+  <a:extraClrSchemeLst/>
+  <a:extLst>
+    <a:ext uri="{05A4C25C-085E-4340-85A3-A5531E510DB2}">
+      <thm15:themeFamily xmlns:thm15="http://schemas.microsoft.com/office/thememl/2012/main" name="Office Theme" id="{62F939B6-93AF-4DB8-9C6B-D6C7DFDC589F}" vid="{4A3C46E8-61CC-4603-A589-7422A47A8E4A}"/>
+    </a:ext>
+  </a:extLst>
+</a:theme>
 </file>